--- a/ECG.pptx
+++ b/ECG.pptx
@@ -12,6 +12,7 @@
     <p:sldId id="258" r:id="rId6"/>
     <p:sldId id="259" r:id="rId7"/>
     <p:sldId id="262" r:id="rId8"/>
+    <p:sldId id="263" r:id="rId9"/>
   </p:sldIdLst>
   <p:sldSz cx="12192000" cy="6858000"/>
   <p:notesSz cx="6858000" cy="9144000"/>
@@ -119,7 +120,7 @@
 </file>
 
 <file path=ppt/slideLayouts/slideLayout1.xml><?xml version="1.0" encoding="utf-8"?>
-<p:sldLayout xmlns:a="http://schemas.openxmlformats.org/drawingml/2006/main" xmlns:r="http://schemas.openxmlformats.org/officeDocument/2006/relationships" xmlns:p="http://schemas.openxmlformats.org/presentationml/2006/main" type="title" preserve="1">
+<p:sldLayout xmlns:a="http://schemas.openxmlformats.org/drawingml/2006/main" xmlns:r="http://schemas.openxmlformats.org/officeDocument/2006/relationships" xmlns:p="http://schemas.openxmlformats.org/presentationml/2006/main" showMasterSp="0" type="title" preserve="1">
   <p:cSld name="Title Slide">
     <p:spTree>
       <p:nvGrpSpPr>
@@ -265,7 +266,7 @@
           <a:p>
             <a:fld id="{CECEB52F-A3ED-4B6A-898D-C24FD8511D2E}" type="datetimeFigureOut">
               <a:rPr lang="en-US" smtClean="0"/>
-              <a:t>5/8/2018</a:t>
+              <a:t>5/9/2018</a:t>
             </a:fld>
             <a:endParaRPr lang="en-US"/>
           </a:p>
@@ -339,7 +340,7 @@
 </file>
 
 <file path=ppt/slideLayouts/slideLayout10.xml><?xml version="1.0" encoding="utf-8"?>
-<p:sldLayout xmlns:a="http://schemas.openxmlformats.org/drawingml/2006/main" xmlns:r="http://schemas.openxmlformats.org/officeDocument/2006/relationships" xmlns:p="http://schemas.openxmlformats.org/presentationml/2006/main" type="vertTx" preserve="1">
+<p:sldLayout xmlns:a="http://schemas.openxmlformats.org/drawingml/2006/main" xmlns:r="http://schemas.openxmlformats.org/officeDocument/2006/relationships" xmlns:p="http://schemas.openxmlformats.org/presentationml/2006/main" showMasterSp="0" type="vertTx" preserve="1">
   <p:cSld name="Title and Vertical Text">
     <p:spTree>
       <p:nvGrpSpPr>
@@ -463,7 +464,7 @@
           <a:p>
             <a:fld id="{CECEB52F-A3ED-4B6A-898D-C24FD8511D2E}" type="datetimeFigureOut">
               <a:rPr lang="en-US" smtClean="0"/>
-              <a:t>5/8/2018</a:t>
+              <a:t>5/9/2018</a:t>
             </a:fld>
             <a:endParaRPr lang="en-US"/>
           </a:p>
@@ -537,7 +538,7 @@
 </file>
 
 <file path=ppt/slideLayouts/slideLayout11.xml><?xml version="1.0" encoding="utf-8"?>
-<p:sldLayout xmlns:a="http://schemas.openxmlformats.org/drawingml/2006/main" xmlns:r="http://schemas.openxmlformats.org/officeDocument/2006/relationships" xmlns:p="http://schemas.openxmlformats.org/presentationml/2006/main" type="vertTitleAndTx" preserve="1">
+<p:sldLayout xmlns:a="http://schemas.openxmlformats.org/drawingml/2006/main" xmlns:r="http://schemas.openxmlformats.org/officeDocument/2006/relationships" xmlns:p="http://schemas.openxmlformats.org/presentationml/2006/main" showMasterSp="0" type="vertTitleAndTx" preserve="1">
   <p:cSld name="Vertical Title and Text">
     <p:spTree>
       <p:nvGrpSpPr>
@@ -671,7 +672,7 @@
           <a:p>
             <a:fld id="{CECEB52F-A3ED-4B6A-898D-C24FD8511D2E}" type="datetimeFigureOut">
               <a:rPr lang="en-US" smtClean="0"/>
-              <a:t>5/8/2018</a:t>
+              <a:t>5/9/2018</a:t>
             </a:fld>
             <a:endParaRPr lang="en-US"/>
           </a:p>
@@ -745,7 +746,7 @@
 </file>
 
 <file path=ppt/slideLayouts/slideLayout2.xml><?xml version="1.0" encoding="utf-8"?>
-<p:sldLayout xmlns:a="http://schemas.openxmlformats.org/drawingml/2006/main" xmlns:r="http://schemas.openxmlformats.org/officeDocument/2006/relationships" xmlns:p="http://schemas.openxmlformats.org/presentationml/2006/main" type="obj" preserve="1">
+<p:sldLayout xmlns:a="http://schemas.openxmlformats.org/drawingml/2006/main" xmlns:r="http://schemas.openxmlformats.org/officeDocument/2006/relationships" xmlns:p="http://schemas.openxmlformats.org/presentationml/2006/main" showMasterSp="0" type="obj" preserve="1">
   <p:cSld name="Title and Content">
     <p:spTree>
       <p:nvGrpSpPr>
@@ -869,7 +870,7 @@
           <a:p>
             <a:fld id="{CECEB52F-A3ED-4B6A-898D-C24FD8511D2E}" type="datetimeFigureOut">
               <a:rPr lang="en-US" smtClean="0"/>
-              <a:t>5/8/2018</a:t>
+              <a:t>5/9/2018</a:t>
             </a:fld>
             <a:endParaRPr lang="en-US"/>
           </a:p>
@@ -943,7 +944,7 @@
 </file>
 
 <file path=ppt/slideLayouts/slideLayout3.xml><?xml version="1.0" encoding="utf-8"?>
-<p:sldLayout xmlns:a="http://schemas.openxmlformats.org/drawingml/2006/main" xmlns:r="http://schemas.openxmlformats.org/officeDocument/2006/relationships" xmlns:p="http://schemas.openxmlformats.org/presentationml/2006/main" type="secHead" preserve="1">
+<p:sldLayout xmlns:a="http://schemas.openxmlformats.org/drawingml/2006/main" xmlns:r="http://schemas.openxmlformats.org/officeDocument/2006/relationships" xmlns:p="http://schemas.openxmlformats.org/presentationml/2006/main" showMasterSp="0" type="secHead" preserve="1">
   <p:cSld name="Section Header">
     <p:spTree>
       <p:nvGrpSpPr>
@@ -1144,7 +1145,7 @@
           <a:p>
             <a:fld id="{CECEB52F-A3ED-4B6A-898D-C24FD8511D2E}" type="datetimeFigureOut">
               <a:rPr lang="en-US" smtClean="0"/>
-              <a:t>5/8/2018</a:t>
+              <a:t>5/9/2018</a:t>
             </a:fld>
             <a:endParaRPr lang="en-US"/>
           </a:p>
@@ -1218,7 +1219,7 @@
 </file>
 
 <file path=ppt/slideLayouts/slideLayout4.xml><?xml version="1.0" encoding="utf-8"?>
-<p:sldLayout xmlns:a="http://schemas.openxmlformats.org/drawingml/2006/main" xmlns:r="http://schemas.openxmlformats.org/officeDocument/2006/relationships" xmlns:p="http://schemas.openxmlformats.org/presentationml/2006/main" type="twoObj" preserve="1">
+<p:sldLayout xmlns:a="http://schemas.openxmlformats.org/drawingml/2006/main" xmlns:r="http://schemas.openxmlformats.org/officeDocument/2006/relationships" xmlns:p="http://schemas.openxmlformats.org/presentationml/2006/main" showMasterSp="0" type="twoObj" preserve="1">
   <p:cSld name="Two Content">
     <p:spTree>
       <p:nvGrpSpPr>
@@ -1409,7 +1410,7 @@
           <a:p>
             <a:fld id="{CECEB52F-A3ED-4B6A-898D-C24FD8511D2E}" type="datetimeFigureOut">
               <a:rPr lang="en-US" smtClean="0"/>
-              <a:t>5/8/2018</a:t>
+              <a:t>5/9/2018</a:t>
             </a:fld>
             <a:endParaRPr lang="en-US"/>
           </a:p>
@@ -1483,7 +1484,7 @@
 </file>
 
 <file path=ppt/slideLayouts/slideLayout5.xml><?xml version="1.0" encoding="utf-8"?>
-<p:sldLayout xmlns:a="http://schemas.openxmlformats.org/drawingml/2006/main" xmlns:r="http://schemas.openxmlformats.org/officeDocument/2006/relationships" xmlns:p="http://schemas.openxmlformats.org/presentationml/2006/main" type="twoTxTwoObj" preserve="1">
+<p:sldLayout xmlns:a="http://schemas.openxmlformats.org/drawingml/2006/main" xmlns:r="http://schemas.openxmlformats.org/officeDocument/2006/relationships" xmlns:p="http://schemas.openxmlformats.org/presentationml/2006/main" showMasterSp="0" type="twoTxTwoObj" preserve="1">
   <p:cSld name="Comparison">
     <p:spTree>
       <p:nvGrpSpPr>
@@ -1821,7 +1822,7 @@
           <a:p>
             <a:fld id="{CECEB52F-A3ED-4B6A-898D-C24FD8511D2E}" type="datetimeFigureOut">
               <a:rPr lang="en-US" smtClean="0"/>
-              <a:t>5/8/2018</a:t>
+              <a:t>5/9/2018</a:t>
             </a:fld>
             <a:endParaRPr lang="en-US"/>
           </a:p>
@@ -1895,7 +1896,7 @@
 </file>
 
 <file path=ppt/slideLayouts/slideLayout6.xml><?xml version="1.0" encoding="utf-8"?>
-<p:sldLayout xmlns:a="http://schemas.openxmlformats.org/drawingml/2006/main" xmlns:r="http://schemas.openxmlformats.org/officeDocument/2006/relationships" xmlns:p="http://schemas.openxmlformats.org/presentationml/2006/main" type="titleOnly" preserve="1">
+<p:sldLayout xmlns:a="http://schemas.openxmlformats.org/drawingml/2006/main" xmlns:r="http://schemas.openxmlformats.org/officeDocument/2006/relationships" xmlns:p="http://schemas.openxmlformats.org/presentationml/2006/main" showMasterSp="0" type="titleOnly" preserve="1">
   <p:cSld name="Title Only">
     <p:spTree>
       <p:nvGrpSpPr>
@@ -1962,7 +1963,7 @@
           <a:p>
             <a:fld id="{CECEB52F-A3ED-4B6A-898D-C24FD8511D2E}" type="datetimeFigureOut">
               <a:rPr lang="en-US" smtClean="0"/>
-              <a:t>5/8/2018</a:t>
+              <a:t>5/9/2018</a:t>
             </a:fld>
             <a:endParaRPr lang="en-US"/>
           </a:p>
@@ -2036,7 +2037,7 @@
 </file>
 
 <file path=ppt/slideLayouts/slideLayout7.xml><?xml version="1.0" encoding="utf-8"?>
-<p:sldLayout xmlns:a="http://schemas.openxmlformats.org/drawingml/2006/main" xmlns:r="http://schemas.openxmlformats.org/officeDocument/2006/relationships" xmlns:p="http://schemas.openxmlformats.org/presentationml/2006/main" type="blank" preserve="1">
+<p:sldLayout xmlns:a="http://schemas.openxmlformats.org/drawingml/2006/main" xmlns:r="http://schemas.openxmlformats.org/officeDocument/2006/relationships" xmlns:p="http://schemas.openxmlformats.org/presentationml/2006/main" showMasterSp="0" type="blank" preserve="1">
   <p:cSld name="Blank">
     <p:spTree>
       <p:nvGrpSpPr>
@@ -2075,7 +2076,7 @@
           <a:p>
             <a:fld id="{CECEB52F-A3ED-4B6A-898D-C24FD8511D2E}" type="datetimeFigureOut">
               <a:rPr lang="en-US" smtClean="0"/>
-              <a:t>5/8/2018</a:t>
+              <a:t>5/9/2018</a:t>
             </a:fld>
             <a:endParaRPr lang="en-US"/>
           </a:p>
@@ -2149,7 +2150,7 @@
 </file>
 
 <file path=ppt/slideLayouts/slideLayout8.xml><?xml version="1.0" encoding="utf-8"?>
-<p:sldLayout xmlns:a="http://schemas.openxmlformats.org/drawingml/2006/main" xmlns:r="http://schemas.openxmlformats.org/officeDocument/2006/relationships" xmlns:p="http://schemas.openxmlformats.org/presentationml/2006/main" type="objTx" preserve="1">
+<p:sldLayout xmlns:a="http://schemas.openxmlformats.org/drawingml/2006/main" xmlns:r="http://schemas.openxmlformats.org/officeDocument/2006/relationships" xmlns:p="http://schemas.openxmlformats.org/presentationml/2006/main" showMasterSp="0" type="objTx" preserve="1">
   <p:cSld name="Content with Caption">
     <p:spTree>
       <p:nvGrpSpPr>
@@ -2386,7 +2387,7 @@
           <a:p>
             <a:fld id="{CECEB52F-A3ED-4B6A-898D-C24FD8511D2E}" type="datetimeFigureOut">
               <a:rPr lang="en-US" smtClean="0"/>
-              <a:t>5/8/2018</a:t>
+              <a:t>5/9/2018</a:t>
             </a:fld>
             <a:endParaRPr lang="en-US"/>
           </a:p>
@@ -2460,7 +2461,7 @@
 </file>
 
 <file path=ppt/slideLayouts/slideLayout9.xml><?xml version="1.0" encoding="utf-8"?>
-<p:sldLayout xmlns:a="http://schemas.openxmlformats.org/drawingml/2006/main" xmlns:r="http://schemas.openxmlformats.org/officeDocument/2006/relationships" xmlns:p="http://schemas.openxmlformats.org/presentationml/2006/main" type="picTx" preserve="1">
+<p:sldLayout xmlns:a="http://schemas.openxmlformats.org/drawingml/2006/main" xmlns:r="http://schemas.openxmlformats.org/officeDocument/2006/relationships" xmlns:p="http://schemas.openxmlformats.org/presentationml/2006/main" showMasterSp="0" type="picTx" preserve="1">
   <p:cSld name="Picture with Caption">
     <p:spTree>
       <p:nvGrpSpPr>
@@ -2674,7 +2675,7 @@
           <a:p>
             <a:fld id="{CECEB52F-A3ED-4B6A-898D-C24FD8511D2E}" type="datetimeFigureOut">
               <a:rPr lang="en-US" smtClean="0"/>
-              <a:t>5/8/2018</a:t>
+              <a:t>5/9/2018</a:t>
             </a:fld>
             <a:endParaRPr lang="en-US"/>
           </a:p>
@@ -2751,9 +2752,29 @@
 <p:sldMaster xmlns:a="http://schemas.openxmlformats.org/drawingml/2006/main" xmlns:r="http://schemas.openxmlformats.org/officeDocument/2006/relationships" xmlns:p="http://schemas.openxmlformats.org/presentationml/2006/main">
   <p:cSld>
     <p:bg>
-      <p:bgRef idx="1001">
-        <a:schemeClr val="bg1"/>
-      </p:bgRef>
+      <p:bgPr>
+        <a:blipFill dpi="0" rotWithShape="1">
+          <a:blip r:embed="rId13">
+            <a:alphaModFix amt="70000"/>
+            <a:extLst>
+              <a:ext uri="{BEBA8EAE-BF5A-486C-A8C5-ECC9F3942E4B}">
+                <a14:imgProps xmlns:a14="http://schemas.microsoft.com/office/drawing/2010/main">
+                  <a14:imgLayer r:embed="rId14">
+                    <a14:imgEffect>
+                      <a14:brightnessContrast bright="7000"/>
+                    </a14:imgEffect>
+                  </a14:imgLayer>
+                </a14:imgProps>
+              </a:ext>
+            </a:extLst>
+          </a:blip>
+          <a:srcRect/>
+          <a:stretch>
+            <a:fillRect/>
+          </a:stretch>
+        </a:blipFill>
+        <a:effectLst/>
+      </p:bgPr>
     </p:bg>
     <p:spTree>
       <p:nvGrpSpPr>
@@ -2831,6 +2852,7 @@
           <a:prstGeom prst="rect">
             <a:avLst/>
           </a:prstGeom>
+          <a:noFill/>
         </p:spPr>
         <p:txBody>
           <a:bodyPr vert="horz" lIns="91440" tIns="45720" rIns="91440" bIns="45720" rtlCol="0">
@@ -2915,7 +2937,7 @@
           <a:p>
             <a:fld id="{CECEB52F-A3ED-4B6A-898D-C24FD8511D2E}" type="datetimeFigureOut">
               <a:rPr lang="en-US" smtClean="0"/>
-              <a:t>5/8/2018</a:t>
+              <a:t>5/9/2018</a:t>
             </a:fld>
             <a:endParaRPr lang="en-US"/>
           </a:p>
@@ -3316,7 +3338,7 @@
 </file>
 
 <file path=ppt/slides/slide1.xml><?xml version="1.0" encoding="utf-8"?>
-<p:sld xmlns:a="http://schemas.openxmlformats.org/drawingml/2006/main" xmlns:r="http://schemas.openxmlformats.org/officeDocument/2006/relationships" xmlns:p="http://schemas.openxmlformats.org/presentationml/2006/main">
+<p:sld xmlns:a="http://schemas.openxmlformats.org/drawingml/2006/main" xmlns:r="http://schemas.openxmlformats.org/officeDocument/2006/relationships" xmlns:p="http://schemas.openxmlformats.org/presentationml/2006/main" showMasterSp="0">
   <p:cSld>
     <p:spTree>
       <p:nvGrpSpPr>
@@ -3348,7 +3370,12 @@
             <p:ph type="ctrTitle"/>
           </p:nvPr>
         </p:nvSpPr>
-        <p:spPr/>
+        <p:spPr>
+          <a:xfrm>
+            <a:off x="1524000" y="0"/>
+            <a:ext cx="9144000" cy="2387600"/>
+          </a:xfrm>
+        </p:spPr>
         <p:txBody>
           <a:bodyPr/>
           <a:lstStyle/>
@@ -3376,16 +3403,33 @@
             <p:ph type="subTitle" idx="1"/>
           </p:nvPr>
         </p:nvSpPr>
-        <p:spPr/>
+        <p:spPr>
+          <a:xfrm>
+            <a:off x="1524000" y="2814639"/>
+            <a:ext cx="9144000" cy="1655762"/>
+          </a:xfrm>
+        </p:spPr>
         <p:txBody>
           <a:bodyPr>
-            <a:normAutofit/>
+            <a:normAutofit fontScale="92500" lnSpcReduction="10000"/>
           </a:bodyPr>
           <a:lstStyle/>
           <a:p>
             <a:r>
               <a:rPr lang="en-US" sz="3600" dirty="0"/>
               <a:t>Yinbo Shi</a:t>
+            </a:r>
+          </a:p>
+          <a:p>
+            <a:r>
+              <a:rPr lang="en-US" sz="3600" dirty="0"/>
+              <a:t>www.linkedin.com/in/yinbo-shi/</a:t>
+            </a:r>
+          </a:p>
+          <a:p>
+            <a:r>
+              <a:rPr lang="en-US" sz="3600" dirty="0"/>
+              <a:t>github.com/pierrecurie13/capstone</a:t>
             </a:r>
           </a:p>
         </p:txBody>
@@ -3404,7 +3448,7 @@
 </file>
 
 <file path=ppt/slides/slide2.xml><?xml version="1.0" encoding="utf-8"?>
-<p:sld xmlns:a="http://schemas.openxmlformats.org/drawingml/2006/main" xmlns:r="http://schemas.openxmlformats.org/officeDocument/2006/relationships" xmlns:p="http://schemas.openxmlformats.org/presentationml/2006/main">
+<p:sld xmlns:a="http://schemas.openxmlformats.org/drawingml/2006/main" xmlns:r="http://schemas.openxmlformats.org/officeDocument/2006/relationships" xmlns:p="http://schemas.openxmlformats.org/presentationml/2006/main" showMasterSp="0">
   <p:cSld>
     <p:spTree>
       <p:nvGrpSpPr>
@@ -3436,7 +3480,12 @@
             <p:ph type="title"/>
           </p:nvPr>
         </p:nvSpPr>
-        <p:spPr/>
+        <p:spPr>
+          <a:xfrm>
+            <a:off x="838200" y="332851"/>
+            <a:ext cx="10515600" cy="1325563"/>
+          </a:xfrm>
+        </p:spPr>
         <p:txBody>
           <a:bodyPr/>
           <a:lstStyle/>
@@ -3465,14 +3514,25 @@
             <p:ph idx="1"/>
           </p:nvPr>
         </p:nvSpPr>
-        <p:spPr/>
+        <p:spPr>
+          <a:xfrm>
+            <a:off x="968825" y="1761077"/>
+            <a:ext cx="10515600" cy="4351338"/>
+          </a:xfrm>
+        </p:spPr>
         <p:txBody>
           <a:bodyPr/>
           <a:lstStyle/>
           <a:p>
             <a:r>
               <a:rPr lang="en-US" dirty="0"/>
-              <a:t>Heart disease is the leading causes of death</a:t>
+              <a:t>Heart disease is the leading cause of death</a:t>
+            </a:r>
+          </a:p>
+          <a:p>
+            <a:r>
+              <a:rPr lang="en-US" dirty="0"/>
+              <a:t>ECG/EKG = electrocardiogram</a:t>
             </a:r>
           </a:p>
           <a:p>
@@ -3486,9 +3546,6 @@
               <a:rPr lang="en-US" dirty="0"/>
               <a:t>~10000 people for every cardiologist in the USA</a:t>
             </a:r>
-          </a:p>
-          <a:p>
-            <a:endParaRPr lang="en-US" dirty="0"/>
           </a:p>
           <a:p>
             <a:r>
@@ -3514,6 +3571,14 @@
 <file path=ppt/slides/slide3.xml><?xml version="1.0" encoding="utf-8"?>
 <p:sld xmlns:a="http://schemas.openxmlformats.org/drawingml/2006/main" xmlns:r="http://schemas.openxmlformats.org/officeDocument/2006/relationships" xmlns:p="http://schemas.openxmlformats.org/presentationml/2006/main">
   <p:cSld>
+    <p:bg>
+      <p:bgPr>
+        <a:solidFill>
+          <a:schemeClr val="bg1"/>
+        </a:solidFill>
+        <a:effectLst/>
+      </p:bgPr>
+    </p:bg>
     <p:spTree>
       <p:nvGrpSpPr>
         <p:cNvPr id="1" name=""/>
@@ -3549,6 +3614,7 @@
           <a:bodyPr/>
           <a:lstStyle/>
           <a:p>
+            <a:pPr algn="ctr"/>
             <a:r>
               <a:rPr lang="en-US" dirty="0"/>
               <a:t>ECG Samples</a:t>
@@ -3574,13 +3640,13 @@
         </p:nvSpPr>
         <p:spPr>
           <a:xfrm>
-            <a:off x="838199" y="1825625"/>
-            <a:ext cx="5028211" cy="4351338"/>
+            <a:off x="838199" y="1718749"/>
+            <a:ext cx="5028211" cy="5032375"/>
           </a:xfrm>
         </p:spPr>
         <p:txBody>
           <a:bodyPr>
-            <a:normAutofit lnSpcReduction="10000"/>
+            <a:normAutofit fontScale="92500" lnSpcReduction="10000"/>
           </a:bodyPr>
           <a:lstStyle/>
           <a:p>
@@ -3600,9 +3666,10 @@
           </a:p>
           <a:p>
             <a:r>
-              <a:rPr lang="en-US" dirty="0"/>
-              <a:t>Actual</a:t>
-            </a:r>
+              <a:rPr lang="en-US"/>
+              <a:t>Normal</a:t>
+            </a:r>
+            <a:endParaRPr lang="en-US" dirty="0"/>
           </a:p>
           <a:p>
             <a:r>
@@ -3617,7 +3684,7 @@
           <a:p>
             <a:r>
               <a:rPr lang="en-US" dirty="0" err="1"/>
-              <a:t>Afib</a:t>
+              <a:t>AFib</a:t>
             </a:r>
             <a:endParaRPr lang="en-US" dirty="0"/>
           </a:p>
@@ -3625,6 +3692,15 @@
             <a:r>
               <a:rPr lang="en-US" b="1" dirty="0"/>
               <a:t>🐌💀</a:t>
+            </a:r>
+          </a:p>
+          <a:p>
+            <a:endParaRPr lang="en-US" b="1" dirty="0"/>
+          </a:p>
+          <a:p>
+            <a:r>
+              <a:rPr lang="en-US" dirty="0"/>
+              <a:t>(atrial fibrillation)</a:t>
             </a:r>
           </a:p>
           <a:p>
@@ -3661,7 +3737,7 @@
         </p:blipFill>
         <p:spPr bwMode="auto">
           <a:xfrm>
-            <a:off x="3048561" y="1813750"/>
+            <a:off x="2842371" y="1754375"/>
             <a:ext cx="2675349" cy="1386444"/>
           </a:xfrm>
           <a:prstGeom prst="rect">
@@ -3708,7 +3784,7 @@
         </p:blipFill>
         <p:spPr bwMode="auto">
           <a:xfrm>
-            <a:off x="2490417" y="3429000"/>
+            <a:off x="2490417" y="3417125"/>
             <a:ext cx="1704975" cy="1247775"/>
           </a:xfrm>
           <a:prstGeom prst="rect">
@@ -3755,7 +3831,7 @@
         </p:blipFill>
         <p:spPr bwMode="auto">
           <a:xfrm>
-            <a:off x="2490417" y="5016500"/>
+            <a:off x="2490417" y="4862125"/>
             <a:ext cx="1771650" cy="1295400"/>
           </a:xfrm>
           <a:prstGeom prst="rect">
@@ -3798,7 +3874,7 @@
         </p:spPr>
         <p:txBody>
           <a:bodyPr vert="horz" lIns="91440" tIns="45720" rIns="91440" bIns="45720" rtlCol="0">
-            <a:normAutofit/>
+            <a:normAutofit lnSpcReduction="10000"/>
           </a:bodyPr>
           <a:lstStyle>
             <a:lvl1pPr marL="228600" indent="-228600" algn="l" defTabSz="914400" rtl="0" eaLnBrk="1" latinLnBrk="0" hangingPunct="1">
@@ -3978,22 +4054,40 @@
             </a:r>
           </a:p>
           <a:p>
+            <a:endParaRPr lang="en-US" b="1" dirty="0"/>
+          </a:p>
+          <a:p>
+            <a:r>
+              <a:rPr lang="en-US" dirty="0"/>
+              <a:t>(ventricular tachycardia)</a:t>
+            </a:r>
+          </a:p>
+          <a:p>
             <a:endParaRPr lang="en-US" dirty="0"/>
           </a:p>
           <a:p>
+            <a:r>
+              <a:rPr lang="en-US" dirty="0" err="1"/>
+              <a:t>VFib</a:t>
+            </a:r>
             <a:endParaRPr lang="en-US" dirty="0"/>
           </a:p>
           <a:p>
             <a:r>
-              <a:rPr lang="en-US" dirty="0" err="1"/>
-              <a:t>Vfib</a:t>
-            </a:r>
-            <a:endParaRPr lang="en-US" dirty="0"/>
+              <a:rPr lang="en-US" b="1" dirty="0"/>
+              <a:t>🐇💀</a:t>
+            </a:r>
           </a:p>
           <a:p>
             <a:r>
               <a:rPr lang="en-US" b="1" dirty="0"/>
               <a:t>💀💀</a:t>
+            </a:r>
+          </a:p>
+          <a:p>
+            <a:r>
+              <a:rPr lang="en-US" dirty="0"/>
+              <a:t>(ventricular fibrillation)</a:t>
             </a:r>
           </a:p>
           <a:p>
@@ -4065,7 +4159,7 @@
         </p:blipFill>
         <p:spPr>
           <a:xfrm>
-            <a:off x="7696262" y="3659342"/>
+            <a:off x="7696262" y="3837467"/>
             <a:ext cx="4297816" cy="1425352"/>
           </a:xfrm>
           <a:prstGeom prst="rect">
@@ -4087,7 +4181,7 @@
 </file>
 
 <file path=ppt/slides/slide4.xml><?xml version="1.0" encoding="utf-8"?>
-<p:sld xmlns:a="http://schemas.openxmlformats.org/drawingml/2006/main" xmlns:r="http://schemas.openxmlformats.org/officeDocument/2006/relationships" xmlns:p="http://schemas.openxmlformats.org/presentationml/2006/main">
+<p:sld xmlns:a="http://schemas.openxmlformats.org/drawingml/2006/main" xmlns:r="http://schemas.openxmlformats.org/officeDocument/2006/relationships" xmlns:p="http://schemas.openxmlformats.org/presentationml/2006/main" showMasterSp="0">
   <p:cSld>
     <p:spTree>
       <p:nvGrpSpPr>
@@ -4119,7 +4213,12 @@
             <p:ph type="title"/>
           </p:nvPr>
         </p:nvSpPr>
-        <p:spPr/>
+        <p:spPr>
+          <a:xfrm>
+            <a:off x="838200" y="221685"/>
+            <a:ext cx="10515600" cy="1325563"/>
+          </a:xfrm>
+        </p:spPr>
         <p:txBody>
           <a:bodyPr/>
           <a:lstStyle/>
@@ -4148,7 +4247,12 @@
             <p:ph idx="1"/>
           </p:nvPr>
         </p:nvSpPr>
-        <p:spPr/>
+        <p:spPr>
+          <a:xfrm>
+            <a:off x="1265707" y="1572638"/>
+            <a:ext cx="10515600" cy="4351338"/>
+          </a:xfrm>
+        </p:spPr>
         <p:txBody>
           <a:bodyPr/>
           <a:lstStyle/>
@@ -4201,7 +4305,7 @@
 </file>
 
 <file path=ppt/slides/slide5.xml><?xml version="1.0" encoding="utf-8"?>
-<p:sld xmlns:a="http://schemas.openxmlformats.org/drawingml/2006/main" xmlns:r="http://schemas.openxmlformats.org/officeDocument/2006/relationships" xmlns:p="http://schemas.openxmlformats.org/presentationml/2006/main">
+<p:sld xmlns:a="http://schemas.openxmlformats.org/drawingml/2006/main" xmlns:r="http://schemas.openxmlformats.org/officeDocument/2006/relationships" xmlns:p="http://schemas.openxmlformats.org/presentationml/2006/main" showMasterSp="0">
   <p:cSld>
     <p:spTree>
       <p:nvGrpSpPr>
@@ -4264,7 +4368,7 @@
         </p:nvSpPr>
         <p:spPr>
           <a:xfrm>
-            <a:off x="755075" y="1825625"/>
+            <a:off x="814920" y="1504991"/>
             <a:ext cx="10515600" cy="4351338"/>
           </a:xfrm>
         </p:spPr>
@@ -4393,7 +4497,7 @@
 </file>
 
 <file path=ppt/slides/slide6.xml><?xml version="1.0" encoding="utf-8"?>
-<p:sld xmlns:a="http://schemas.openxmlformats.org/drawingml/2006/main" xmlns:r="http://schemas.openxmlformats.org/officeDocument/2006/relationships" xmlns:p="http://schemas.openxmlformats.org/presentationml/2006/main">
+<p:sld xmlns:a="http://schemas.openxmlformats.org/drawingml/2006/main" xmlns:r="http://schemas.openxmlformats.org/officeDocument/2006/relationships" xmlns:p="http://schemas.openxmlformats.org/presentationml/2006/main" showMasterSp="0">
   <p:cSld>
     <p:spTree>
       <p:nvGrpSpPr>
@@ -4462,20 +4566,22 @@
         </p:spPr>
         <p:txBody>
           <a:bodyPr>
-            <a:normAutofit lnSpcReduction="10000"/>
+            <a:normAutofit/>
           </a:bodyPr>
           <a:lstStyle/>
           <a:p>
             <a:r>
               <a:rPr lang="en-US" dirty="0"/>
-              <a:t>Without other:</a:t>
-            </a:r>
-          </a:p>
-          <a:p>
-            <a:pPr lvl="1"/>
+              <a:t>Mostly want arrhythmia vs not arrhythmia</a:t>
+            </a:r>
+          </a:p>
+          <a:p>
+            <a:endParaRPr lang="en-US" dirty="0"/>
+          </a:p>
+          <a:p>
             <a:r>
               <a:rPr lang="en-US" dirty="0"/>
-              <a:t>Ignore noise AUC: .986</a:t>
+              <a:t>AUC without other:</a:t>
             </a:r>
           </a:p>
           <a:p>
@@ -4486,7 +4592,21 @@
             </a:r>
             <a:r>
               <a:rPr lang="en-US" dirty="0"/>
-              <a:t> vs noise/normal AUC: .983</a:t>
+              <a:t> vs noise/normal</a:t>
+            </a:r>
+          </a:p>
+          <a:p>
+            <a:pPr lvl="1"/>
+            <a:r>
+              <a:rPr lang="en-US" dirty="0"/>
+              <a:t>Gradient boost: .974</a:t>
+            </a:r>
+          </a:p>
+          <a:p>
+            <a:pPr lvl="1"/>
+            <a:r>
+              <a:rPr lang="en-US" dirty="0"/>
+              <a:t>CNN: .983</a:t>
             </a:r>
           </a:p>
           <a:p>
@@ -4495,13 +4615,7 @@
           <a:p>
             <a:r>
               <a:rPr lang="en-US" dirty="0"/>
-              <a:t>Full Classification:</a:t>
-            </a:r>
-          </a:p>
-          <a:p>
-            <a:r>
-              <a:rPr lang="en-US" dirty="0"/>
-              <a:t>F1 scores:</a:t>
+              <a:t>AUC full classification:</a:t>
             </a:r>
           </a:p>
           <a:p>
@@ -4512,80 +4626,81 @@
             </a:r>
             <a:r>
               <a:rPr lang="en-US" dirty="0"/>
-              <a:t>: .6545, Normal: .8571</a:t>
+              <a:t>/other vs noise/normal</a:t>
             </a:r>
           </a:p>
           <a:p>
             <a:pPr lvl="1"/>
             <a:r>
               <a:rPr lang="en-US" dirty="0"/>
-              <a:t>Other: .5486, noise: .5217</a:t>
-            </a:r>
-          </a:p>
-          <a:p>
-            <a:r>
-              <a:rPr lang="en-US" dirty="0"/>
-              <a:t>Avg F1: .6455</a:t>
-            </a:r>
-          </a:p>
-          <a:p>
-            <a:r>
-              <a:rPr lang="en-US" dirty="0"/>
-              <a:t>Arrhythmia vs noise/normal AUC: .8612</a:t>
-            </a:r>
-          </a:p>
-          <a:p>
-            <a:r>
-              <a:rPr lang="en-US" dirty="0"/>
-              <a:t>Remove other, noise; </a:t>
-            </a:r>
-            <a:r>
-              <a:rPr lang="en-US" dirty="0" err="1"/>
-              <a:t>Afib</a:t>
-            </a:r>
-            <a:r>
-              <a:rPr lang="en-US" dirty="0"/>
-              <a:t> vs normal AUC: .9839</a:t>
-            </a:r>
-          </a:p>
-        </p:txBody>
-      </p:sp>
-      <p:pic>
-        <p:nvPicPr>
-          <p:cNvPr id="5" name="Picture 4">
-            <a:extLst>
-              <a:ext uri="{FF2B5EF4-FFF2-40B4-BE49-F238E27FC236}">
-                <a16:creationId xmlns:a16="http://schemas.microsoft.com/office/drawing/2014/main" id="{1C1B3468-E479-48BD-B672-BECB0B48CD10}"/>
-              </a:ext>
-            </a:extLst>
-          </p:cNvPr>
-          <p:cNvPicPr>
-            <a:picLocks noChangeAspect="1"/>
-          </p:cNvPicPr>
-          <p:nvPr/>
-        </p:nvPicPr>
-        <p:blipFill>
-          <a:blip r:embed="rId2">
-            <a:extLst>
-              <a:ext uri="{28A0092B-C50C-407E-A947-70E740481C1C}">
-                <a14:useLocalDpi xmlns:a14="http://schemas.microsoft.com/office/drawing/2010/main" val="0"/>
-              </a:ext>
-            </a:extLst>
-          </a:blip>
-          <a:stretch>
-            <a:fillRect/>
-          </a:stretch>
-        </p:blipFill>
-        <p:spPr>
-          <a:xfrm>
-            <a:off x="6881031" y="3316581"/>
-            <a:ext cx="4360943" cy="1457697"/>
-          </a:xfrm>
-          <a:prstGeom prst="rect">
-            <a:avLst/>
-          </a:prstGeom>
-        </p:spPr>
-      </p:pic>
+              <a:t>CNN: .861</a:t>
+            </a:r>
+          </a:p>
+        </p:txBody>
+      </p:sp>
+      <p:graphicFrame>
+        <p:nvGraphicFramePr>
+          <p:cNvPr id="8" name="Object 7">
+            <a:extLst>
+              <a:ext uri="{FF2B5EF4-FFF2-40B4-BE49-F238E27FC236}">
+                <a16:creationId xmlns:a16="http://schemas.microsoft.com/office/drawing/2014/main" id="{72FAC0C8-D68B-4747-A0CB-634A98E70E31}"/>
+              </a:ext>
+            </a:extLst>
+          </p:cNvPr>
+          <p:cNvGraphicFramePr>
+            <a:graphicFrameLocks noChangeAspect="1"/>
+          </p:cNvGraphicFramePr>
+          <p:nvPr>
+            <p:extLst>
+              <p:ext uri="{D42A27DB-BD31-4B8C-83A1-F6EECF244321}">
+                <p14:modId xmlns:p14="http://schemas.microsoft.com/office/powerpoint/2010/main" val="3733043507"/>
+              </p:ext>
+            </p:extLst>
+          </p:nvPr>
+        </p:nvGraphicFramePr>
+        <p:xfrm>
+          <a:off x="5393298" y="2419910"/>
+          <a:ext cx="6364287" cy="2492375"/>
+        </p:xfrm>
+        <a:graphic>
+          <a:graphicData uri="http://schemas.openxmlformats.org/presentationml/2006/ole">
+            <mc:AlternateContent xmlns:mc="http://schemas.openxmlformats.org/markup-compatibility/2006">
+              <mc:Choice xmlns:v="urn:schemas-microsoft-com:vml" Requires="v">
+                <p:oleObj spid="_x0000_s1051" name="Worksheet" r:id="rId3" imgW="4566673" imgH="1823282" progId="Excel.Sheet.12">
+                  <p:embed/>
+                </p:oleObj>
+              </mc:Choice>
+              <mc:Fallback>
+                <p:oleObj name="Worksheet" r:id="rId3" imgW="4566673" imgH="1823282" progId="Excel.Sheet.12">
+                  <p:embed/>
+                  <p:pic>
+                    <p:nvPicPr>
+                      <p:cNvPr id="0" name=""/>
+                      <p:cNvPicPr/>
+                      <p:nvPr/>
+                    </p:nvPicPr>
+                    <p:blipFill>
+                      <a:blip r:embed="rId4"/>
+                      <a:stretch>
+                        <a:fillRect/>
+                      </a:stretch>
+                    </p:blipFill>
+                    <p:spPr>
+                      <a:xfrm>
+                        <a:off x="5393298" y="2419910"/>
+                        <a:ext cx="6364287" cy="2492375"/>
+                      </a:xfrm>
+                      <a:prstGeom prst="rect">
+                        <a:avLst/>
+                      </a:prstGeom>
+                    </p:spPr>
+                  </p:pic>
+                </p:oleObj>
+              </mc:Fallback>
+            </mc:AlternateContent>
+          </a:graphicData>
+        </a:graphic>
+      </p:graphicFrame>
     </p:spTree>
     <p:extLst>
       <p:ext uri="{BB962C8B-B14F-4D97-AF65-F5344CB8AC3E}">
@@ -4600,7 +4715,7 @@
 </file>
 
 <file path=ppt/slides/slide7.xml><?xml version="1.0" encoding="utf-8"?>
-<p:sld xmlns:a="http://schemas.openxmlformats.org/drawingml/2006/main" xmlns:r="http://schemas.openxmlformats.org/officeDocument/2006/relationships" xmlns:p="http://schemas.openxmlformats.org/presentationml/2006/main">
+<p:sld xmlns:a="http://schemas.openxmlformats.org/drawingml/2006/main" xmlns:r="http://schemas.openxmlformats.org/officeDocument/2006/relationships" xmlns:p="http://schemas.openxmlformats.org/presentationml/2006/main" showMasterSp="0">
   <p:cSld>
     <p:spTree>
       <p:nvGrpSpPr>
@@ -4674,13 +4789,13 @@
           <a:p>
             <a:r>
               <a:rPr lang="en-US" dirty="0"/>
+              <a:t>Fancier CNN</a:t>
+            </a:r>
+          </a:p>
+          <a:p>
+            <a:r>
+              <a:rPr lang="en-US" dirty="0"/>
               <a:t>More types of arrhythmias</a:t>
-            </a:r>
-          </a:p>
-          <a:p>
-            <a:r>
-              <a:rPr lang="en-US" dirty="0"/>
-              <a:t>Fancier CNN</a:t>
             </a:r>
           </a:p>
           <a:p>
@@ -4709,6 +4824,116 @@
     <p:extLst>
       <p:ext uri="{BB962C8B-B14F-4D97-AF65-F5344CB8AC3E}">
         <p14:creationId xmlns:p14="http://schemas.microsoft.com/office/powerpoint/2010/main" val="2219904098"/>
+      </p:ext>
+    </p:extLst>
+  </p:cSld>
+  <p:clrMapOvr>
+    <a:masterClrMapping/>
+  </p:clrMapOvr>
+</p:sld>
+</file>
+
+<file path=ppt/slides/slide8.xml><?xml version="1.0" encoding="utf-8"?>
+<p:sld xmlns:a="http://schemas.openxmlformats.org/drawingml/2006/main" xmlns:r="http://schemas.openxmlformats.org/officeDocument/2006/relationships" xmlns:p="http://schemas.openxmlformats.org/presentationml/2006/main" showMasterSp="0">
+  <p:cSld>
+    <p:spTree>
+      <p:nvGrpSpPr>
+        <p:cNvPr id="1" name=""/>
+        <p:cNvGrpSpPr/>
+        <p:nvPr/>
+      </p:nvGrpSpPr>
+      <p:grpSpPr>
+        <a:xfrm>
+          <a:off x="0" y="0"/>
+          <a:ext cx="0" cy="0"/>
+          <a:chOff x="0" y="0"/>
+          <a:chExt cx="0" cy="0"/>
+        </a:xfrm>
+      </p:grpSpPr>
+      <p:sp>
+        <p:nvSpPr>
+          <p:cNvPr id="2" name="Title 1">
+            <a:extLst>
+              <a:ext uri="{FF2B5EF4-FFF2-40B4-BE49-F238E27FC236}">
+                <a16:creationId xmlns:a16="http://schemas.microsoft.com/office/drawing/2014/main" id="{99FE781F-487B-4A28-950D-DD08C38AFFC1}"/>
+              </a:ext>
+            </a:extLst>
+          </p:cNvPr>
+          <p:cNvSpPr>
+            <a:spLocks noGrp="1"/>
+          </p:cNvSpPr>
+          <p:nvPr>
+            <p:ph type="ctrTitle"/>
+          </p:nvPr>
+        </p:nvSpPr>
+        <p:spPr>
+          <a:xfrm>
+            <a:off x="1524000" y="-426086"/>
+            <a:ext cx="9144000" cy="2387600"/>
+          </a:xfrm>
+        </p:spPr>
+        <p:txBody>
+          <a:bodyPr/>
+          <a:lstStyle/>
+          <a:p>
+            <a:r>
+              <a:rPr lang="en-US" dirty="0"/>
+              <a:t>Thanks!</a:t>
+            </a:r>
+          </a:p>
+        </p:txBody>
+      </p:sp>
+      <p:sp>
+        <p:nvSpPr>
+          <p:cNvPr id="3" name="Subtitle 2">
+            <a:extLst>
+              <a:ext uri="{FF2B5EF4-FFF2-40B4-BE49-F238E27FC236}">
+                <a16:creationId xmlns:a16="http://schemas.microsoft.com/office/drawing/2014/main" id="{1DCF1ED5-BD9B-4E68-8CC0-3CE56D63BEB7}"/>
+              </a:ext>
+            </a:extLst>
+          </p:cNvPr>
+          <p:cNvSpPr>
+            <a:spLocks noGrp="1"/>
+          </p:cNvSpPr>
+          <p:nvPr>
+            <p:ph type="subTitle" idx="1"/>
+          </p:nvPr>
+        </p:nvSpPr>
+        <p:spPr>
+          <a:xfrm>
+            <a:off x="1524000" y="2654805"/>
+            <a:ext cx="9144000" cy="1655762"/>
+          </a:xfrm>
+        </p:spPr>
+        <p:txBody>
+          <a:bodyPr>
+            <a:normAutofit fontScale="92500" lnSpcReduction="10000"/>
+          </a:bodyPr>
+          <a:lstStyle/>
+          <a:p>
+            <a:r>
+              <a:rPr lang="en-US" sz="3600" dirty="0"/>
+              <a:t>Yinbo Shi</a:t>
+            </a:r>
+          </a:p>
+          <a:p>
+            <a:r>
+              <a:rPr lang="en-US" sz="3600" dirty="0"/>
+              <a:t>www.linkedin.com/in/yinbo-shi/</a:t>
+            </a:r>
+          </a:p>
+          <a:p>
+            <a:r>
+              <a:rPr lang="en-US" sz="3600" dirty="0"/>
+              <a:t>github.com/pierrecurie13/capstone</a:t>
+            </a:r>
+          </a:p>
+        </p:txBody>
+      </p:sp>
+    </p:spTree>
+    <p:extLst>
+      <p:ext uri="{BB962C8B-B14F-4D97-AF65-F5344CB8AC3E}">
+        <p14:creationId xmlns:p14="http://schemas.microsoft.com/office/powerpoint/2010/main" val="1791335037"/>
       </p:ext>
     </p:extLst>
   </p:cSld>
@@ -4865,7 +5090,7 @@
         <a:font script="Tfng" typeface="Ebrima"/>
       </a:minorFont>
     </a:fontScheme>
-    <a:fmtScheme name="Office">
+    <a:fmtScheme name="Milk Glass">
       <a:fillStyleLst>
         <a:solidFill>
           <a:schemeClr val="phClr"/>
@@ -4874,93 +5099,137 @@
           <a:gsLst>
             <a:gs pos="0">
               <a:schemeClr val="phClr">
-                <a:lumMod val="110000"/>
-                <a:satMod val="105000"/>
-                <a:tint val="67000"/>
+                <a:tint val="15000"/>
+                <a:satMod val="250000"/>
               </a:schemeClr>
             </a:gs>
-            <a:gs pos="50000">
+            <a:gs pos="49000">
               <a:schemeClr val="phClr">
-                <a:lumMod val="105000"/>
-                <a:satMod val="103000"/>
-                <a:tint val="73000"/>
+                <a:tint val="50000"/>
+                <a:satMod val="200000"/>
+              </a:schemeClr>
+            </a:gs>
+            <a:gs pos="49100">
+              <a:schemeClr val="phClr">
+                <a:tint val="64000"/>
+                <a:satMod val="160000"/>
+              </a:schemeClr>
+            </a:gs>
+            <a:gs pos="92000">
+              <a:schemeClr val="phClr">
+                <a:tint val="50000"/>
+                <a:satMod val="200000"/>
               </a:schemeClr>
             </a:gs>
             <a:gs pos="100000">
               <a:schemeClr val="phClr">
-                <a:lumMod val="105000"/>
-                <a:satMod val="109000"/>
-                <a:tint val="81000"/>
+                <a:tint val="43000"/>
+                <a:satMod val="190000"/>
               </a:schemeClr>
             </a:gs>
           </a:gsLst>
-          <a:lin ang="5400000" scaled="0"/>
+          <a:lin ang="5400000" scaled="1"/>
         </a:gradFill>
         <a:gradFill rotWithShape="1">
           <a:gsLst>
             <a:gs pos="0">
               <a:schemeClr val="phClr">
-                <a:satMod val="103000"/>
-                <a:lumMod val="102000"/>
-                <a:tint val="94000"/>
+                <a:tint val="74000"/>
               </a:schemeClr>
             </a:gs>
-            <a:gs pos="50000">
+            <a:gs pos="49000">
               <a:schemeClr val="phClr">
+                <a:tint val="96000"/>
+                <a:shade val="84000"/>
                 <a:satMod val="110000"/>
-                <a:lumMod val="100000"/>
-                <a:shade val="100000"/>
+              </a:schemeClr>
+            </a:gs>
+            <a:gs pos="49100">
+              <a:schemeClr val="phClr">
+                <a:shade val="55000"/>
+                <a:satMod val="150000"/>
+              </a:schemeClr>
+            </a:gs>
+            <a:gs pos="92000">
+              <a:schemeClr val="phClr">
+                <a:tint val="98000"/>
+                <a:shade val="90000"/>
+                <a:satMod val="128000"/>
               </a:schemeClr>
             </a:gs>
             <a:gs pos="100000">
               <a:schemeClr val="phClr">
-                <a:lumMod val="99000"/>
-                <a:satMod val="120000"/>
-                <a:shade val="78000"/>
+                <a:tint val="90000"/>
+                <a:shade val="97000"/>
+                <a:satMod val="128000"/>
               </a:schemeClr>
             </a:gs>
           </a:gsLst>
-          <a:lin ang="5400000" scaled="0"/>
+          <a:lin ang="5400000" scaled="1"/>
         </a:gradFill>
       </a:fillStyleLst>
       <a:lnStyleLst>
-        <a:ln w="6350" cap="flat" cmpd="sng" algn="ctr">
+        <a:ln w="11430" cap="flat" cmpd="sng" algn="ctr">
           <a:solidFill>
             <a:schemeClr val="phClr"/>
           </a:solidFill>
           <a:prstDash val="solid"/>
-          <a:miter lim="800000"/>
         </a:ln>
-        <a:ln w="12700" cap="flat" cmpd="sng" algn="ctr">
+        <a:ln w="40000" cap="flat" cmpd="sng" algn="ctr">
           <a:solidFill>
             <a:schemeClr val="phClr"/>
           </a:solidFill>
           <a:prstDash val="solid"/>
-          <a:miter lim="800000"/>
         </a:ln>
-        <a:ln w="19050" cap="flat" cmpd="sng" algn="ctr">
+        <a:ln w="31800" cap="flat" cmpd="sng" algn="ctr">
           <a:solidFill>
             <a:schemeClr val="phClr"/>
           </a:solidFill>
           <a:prstDash val="solid"/>
-          <a:miter lim="800000"/>
         </a:ln>
       </a:lnStyleLst>
       <a:effectStyleLst>
         <a:effectStyle>
-          <a:effectLst/>
-        </a:effectStyle>
-        <a:effectStyle>
-          <a:effectLst/>
+          <a:effectLst>
+            <a:outerShdw blurRad="50800" dist="25000" dir="5400000" rotWithShape="0">
+              <a:schemeClr val="phClr">
+                <a:shade val="30000"/>
+                <a:satMod val="150000"/>
+                <a:alpha val="38000"/>
+              </a:schemeClr>
+            </a:outerShdw>
+          </a:effectLst>
         </a:effectStyle>
         <a:effectStyle>
           <a:effectLst>
-            <a:outerShdw blurRad="57150" dist="19050" dir="5400000" algn="ctr" rotWithShape="0">
-              <a:srgbClr val="000000">
-                <a:alpha val="63000"/>
-              </a:srgbClr>
+            <a:outerShdw blurRad="39000" dist="25400" dir="5400000" rotWithShape="0">
+              <a:schemeClr val="phClr">
+                <a:shade val="33000"/>
+                <a:alpha val="83000"/>
+              </a:schemeClr>
             </a:outerShdw>
           </a:effectLst>
+        </a:effectStyle>
+        <a:effectStyle>
+          <a:effectLst>
+            <a:outerShdw blurRad="39000" dist="25400" dir="5400000" rotWithShape="0">
+              <a:schemeClr val="phClr">
+                <a:shade val="33000"/>
+                <a:alpha val="83000"/>
+              </a:schemeClr>
+            </a:outerShdw>
+          </a:effectLst>
+          <a:scene3d>
+            <a:camera prst="orthographicFront" fov="0">
+              <a:rot lat="0" lon="0" rev="0"/>
+            </a:camera>
+            <a:lightRig rig="contrasting" dir="t">
+              <a:rot lat="0" lon="0" rev="1500000"/>
+            </a:lightRig>
+          </a:scene3d>
+          <a:sp3d extrusionH="127000" prstMaterial="powder">
+            <a:bevelT w="50800" h="63500"/>
+          </a:sp3d>
         </a:effectStyle>
       </a:effectStyleLst>
       <a:bgFillStyleLst>
